--- a/202504XX/Spring Cacheでパフォーマンスを向上させよう.pptx
+++ b/202504XX/Spring Cacheでパフォーマンスを向上させよう.pptx
@@ -1209,7 +1209,7 @@
           <a:p>
             <a:fld id="{B5C59BA4-7C1B-4DE2-B397-F366871A932A}" type="datetimeFigureOut">
               <a:rPr kumimoji="1" lang="ja-JP" altLang="en-US" smtClean="0"/>
-              <a:t>2025/2/12</a:t>
+              <a:t>2025/2/22</a:t>
             </a:fld>
             <a:endParaRPr kumimoji="1" lang="ja-JP" altLang="en-US"/>
           </a:p>
@@ -4008,7 +4008,7 @@
                 <a:effectLst/>
                 <a:latin typeface="Consolas" panose="020B0609020204030204" pitchFamily="49" charset="0"/>
               </a:rPr>
-              <a:t>"fractal-crate-cahe"</a:t>
+              <a:t>"fractal-crate-cache"</a:t>
             </a:r>
             <a:r>
               <a:rPr lang="en-US" altLang="ja-JP" sz="1400" b="0" dirty="0">
@@ -7138,7 +7138,7 @@
                 <a:effectLst/>
                 <a:latin typeface="Consolas" panose="020B0609020204030204" pitchFamily="49" charset="0"/>
               </a:rPr>
-              <a:t>"fractal-cahe"</a:t>
+              <a:t>"fractal-crate-cache"</a:t>
             </a:r>
             <a:r>
               <a:rPr lang="en-US" altLang="ja-JP" sz="1400" b="0" dirty="0">
@@ -8741,7 +8741,7 @@
                 <a:effectLst/>
                 <a:latin typeface="Consolas" panose="020B0609020204030204" pitchFamily="49" charset="0"/>
               </a:rPr>
-              <a:t>"fractal-crate-cahe"</a:t>
+              <a:t>"fractal-crate-cache"</a:t>
             </a:r>
             <a:endParaRPr lang="en-US" altLang="ja-JP" sz="1400" b="0" dirty="0">
               <a:solidFill>
@@ -10826,10 +10826,18 @@
               <a:t>　省略し、</a:t>
             </a:r>
             <a:r>
-              <a:rPr kumimoji="1" lang="ja-JP" altLang="en-US" sz="2400" b="1" dirty="0"/>
+              <a:rPr kumimoji="1" lang="ja-JP" altLang="en-US" sz="2400" b="1" dirty="0">
+                <a:solidFill>
+                  <a:srgbClr val="FF0000"/>
+                </a:solidFill>
+              </a:rPr>
               <a:t>パフォーマンスを向上させる</a:t>
             </a:r>
-            <a:endParaRPr kumimoji="1" lang="en-US" altLang="ja-JP" sz="2400" b="1" dirty="0"/>
+            <a:endParaRPr kumimoji="1" lang="en-US" altLang="ja-JP" sz="2400" b="1" dirty="0">
+              <a:solidFill>
+                <a:srgbClr val="FF0000"/>
+              </a:solidFill>
+            </a:endParaRPr>
           </a:p>
           <a:p>
             <a:pPr marL="0" indent="0">
@@ -10843,7 +10851,11 @@
               <a:t>一般的にメモリ上に保存されるため、</a:t>
             </a:r>
             <a:r>
-              <a:rPr kumimoji="1" lang="ja-JP" altLang="en-US" sz="2400" b="1" dirty="0"/>
+              <a:rPr kumimoji="1" lang="ja-JP" altLang="en-US" sz="2400" b="1" dirty="0">
+                <a:solidFill>
+                  <a:srgbClr val="FF0000"/>
+                </a:solidFill>
+              </a:rPr>
               <a:t>高速にデータへアクセスできる</a:t>
             </a:r>
             <a:r>
@@ -12103,15 +12115,6 @@
 </file>
 
 <file path=customXml/item1.xml><?xml version="1.0" encoding="utf-8"?>
-<?mso-contentType ?>
-<FormTemplates xmlns="http://schemas.microsoft.com/sharepoint/v3/contenttype/forms">
-  <Display>DocumentLibraryForm</Display>
-  <Edit>DocumentLibraryForm</Edit>
-  <New>DocumentLibraryForm</New>
-</FormTemplates>
-</file>
-
-<file path=customXml/item2.xml><?xml version="1.0" encoding="utf-8"?>
 <p:properties xmlns:p="http://schemas.microsoft.com/office/2006/metadata/properties" xmlns:xsi="http://www.w3.org/2001/XMLSchema-instance" xmlns:pc="http://schemas.microsoft.com/office/infopath/2007/PartnerControls">
   <documentManagement>
     <SharedWithUsers xmlns="dda6833c-0046-4f8f-9c83-6e1ad4a6ae00">
@@ -12123,6 +12126,15 @@
     </SharedWithUsers>
   </documentManagement>
 </p:properties>
+</file>
+
+<file path=customXml/item2.xml><?xml version="1.0" encoding="utf-8"?>
+<?mso-contentType ?>
+<FormTemplates xmlns="http://schemas.microsoft.com/sharepoint/v3/contenttype/forms">
+  <Display>DocumentLibraryForm</Display>
+  <Edit>DocumentLibraryForm</Edit>
+  <New>DocumentLibraryForm</New>
+</FormTemplates>
 </file>
 
 <file path=customXml/item3.xml><?xml version="1.0" encoding="utf-8"?>
@@ -12305,14 +12317,6 @@
 </file>
 
 <file path=customXml/itemProps1.xml><?xml version="1.0" encoding="utf-8"?>
-<ds:datastoreItem xmlns:ds="http://schemas.openxmlformats.org/officeDocument/2006/customXml" ds:itemID="{AA5A7698-7A98-4CC4-9FFF-A34D3B1004C6}">
-  <ds:schemaRefs>
-    <ds:schemaRef ds:uri="http://schemas.microsoft.com/sharepoint/v3/contenttype/forms"/>
-  </ds:schemaRefs>
-</ds:datastoreItem>
-</file>
-
-<file path=customXml/itemProps2.xml><?xml version="1.0" encoding="utf-8"?>
 <ds:datastoreItem xmlns:ds="http://schemas.openxmlformats.org/officeDocument/2006/customXml" ds:itemID="{AFD2C487-7431-40FA-A912-1148C9736568}">
   <ds:schemaRefs>
     <ds:schemaRef ds:uri="http://schemas.microsoft.com/office/2006/documentManagement/types"/>
@@ -12325,6 +12329,14 @@
     <ds:schemaRef ds:uri="http://schemas.microsoft.com/office/infopath/2007/PartnerControls"/>
     <ds:schemaRef ds:uri="dda6833c-0046-4f8f-9c83-6e1ad4a6ae00"/>
     <ds:schemaRef ds:uri="http://www.w3.org/XML/1998/namespace"/>
+  </ds:schemaRefs>
+</ds:datastoreItem>
+</file>
+
+<file path=customXml/itemProps2.xml><?xml version="1.0" encoding="utf-8"?>
+<ds:datastoreItem xmlns:ds="http://schemas.openxmlformats.org/officeDocument/2006/customXml" ds:itemID="{AA5A7698-7A98-4CC4-9FFF-A34D3B1004C6}">
+  <ds:schemaRefs>
+    <ds:schemaRef ds:uri="http://schemas.microsoft.com/sharepoint/v3/contenttype/forms"/>
   </ds:schemaRefs>
 </ds:datastoreItem>
 </file>
